--- a/Tutorials/connecting.pptx
+++ b/Tutorials/connecting.pptx
@@ -130,6 +130,11 @@
       </a:defRPr>
     </a:lvl9pPr>
   </p:defaultTextStyle>
+  <p:extLst>
+    <p:ext uri="{EFAFB233-063F-42B5-8137-9DF3F51BA10A}">
+      <p15:sldGuideLst xmlns:p15="http://schemas.microsoft.com/office/powerpoint/2012/main"/>
+    </p:ext>
+  </p:extLst>
 </p:presentation>
 </file>
 
@@ -719,13 +724,19 @@
               <a:rPr lang="en-US" b="0" dirty="0" err="1" smtClean="0">
                 <a:effectLst/>
               </a:rPr>
-              <a:t>Elasasu</a:t>
+              <a:t>elasasu</a:t>
             </a:r>
             <a:r>
               <a:rPr lang="en-US" b="0" dirty="0" smtClean="0">
                 <a:effectLst/>
               </a:rPr>
-              <a:t> (lowercase)</a:t>
+              <a:t> </a:t>
+            </a:r>
+            <a:r>
+              <a:rPr lang="en-US" b="0" dirty="0" smtClean="0">
+                <a:effectLst/>
+              </a:rPr>
+              <a:t>(lowercase)</a:t>
             </a:r>
           </a:p>
           <a:p>
@@ -737,6 +748,13 @@
             </a:r>
           </a:p>
           <a:p>
+            <a:endParaRPr lang="en-US" dirty="0" smtClean="0"/>
+          </a:p>
+          <a:p>
+            <a:r>
+              <a:rPr lang="en-US" dirty="0" smtClean="0"/>
+              <a:t>https://github.com/summerela/impala_scripts/blob/master/training/using_hue.pptx</a:t>
+            </a:r>
             <a:endParaRPr lang="en-US" dirty="0" smtClean="0"/>
           </a:p>
           <a:p>
@@ -943,6 +961,90 @@
     <p:extLst>
       <p:ext uri="{BB962C8B-B14F-4D97-AF65-F5344CB8AC3E}">
         <p14:creationId xmlns:p14="http://schemas.microsoft.com/office/powerpoint/2010/main" val="2384198697"/>
+      </p:ext>
+    </p:extLst>
+  </p:cSld>
+  <p:clrMapOvr>
+    <a:masterClrMapping/>
+  </p:clrMapOvr>
+</p:notes>
+</file>
+
+<file path=ppt/notesSlides/notesSlide5.xml><?xml version="1.0" encoding="utf-8"?>
+<p:notes xmlns:a="http://schemas.openxmlformats.org/drawingml/2006/main" xmlns:r="http://schemas.openxmlformats.org/officeDocument/2006/relationships" xmlns:p="http://schemas.openxmlformats.org/presentationml/2006/main">
+  <p:cSld>
+    <p:spTree>
+      <p:nvGrpSpPr>
+        <p:cNvPr id="1" name=""/>
+        <p:cNvGrpSpPr/>
+        <p:nvPr/>
+      </p:nvGrpSpPr>
+      <p:grpSpPr>
+        <a:xfrm>
+          <a:off x="0" y="0"/>
+          <a:ext cx="0" cy="0"/>
+          <a:chOff x="0" y="0"/>
+          <a:chExt cx="0" cy="0"/>
+        </a:xfrm>
+      </p:grpSpPr>
+      <p:sp>
+        <p:nvSpPr>
+          <p:cNvPr id="2" name="Slide Image Placeholder 1"/>
+          <p:cNvSpPr>
+            <a:spLocks noGrp="1" noRot="1" noChangeAspect="1"/>
+          </p:cNvSpPr>
+          <p:nvPr>
+            <p:ph type="sldImg"/>
+          </p:nvPr>
+        </p:nvSpPr>
+        <p:spPr/>
+      </p:sp>
+      <p:sp>
+        <p:nvSpPr>
+          <p:cNvPr id="3" name="Notes Placeholder 2"/>
+          <p:cNvSpPr>
+            <a:spLocks noGrp="1"/>
+          </p:cNvSpPr>
+          <p:nvPr>
+            <p:ph type="body" idx="1"/>
+          </p:nvPr>
+        </p:nvSpPr>
+        <p:spPr/>
+        <p:txBody>
+          <a:bodyPr/>
+          <a:lstStyle/>
+          <a:p>
+            <a:endParaRPr lang="en-US" dirty="0"/>
+          </a:p>
+        </p:txBody>
+      </p:sp>
+      <p:sp>
+        <p:nvSpPr>
+          <p:cNvPr id="4" name="Slide Number Placeholder 3"/>
+          <p:cNvSpPr>
+            <a:spLocks noGrp="1"/>
+          </p:cNvSpPr>
+          <p:nvPr>
+            <p:ph type="sldNum" sz="quarter" idx="10"/>
+          </p:nvPr>
+        </p:nvSpPr>
+        <p:spPr/>
+        <p:txBody>
+          <a:bodyPr/>
+          <a:lstStyle/>
+          <a:p>
+            <a:fld id="{35917BCB-6B94-436E-90CD-EE36D7331B2A}" type="slidenum">
+              <a:rPr lang="en-US" smtClean="0"/>
+              <a:t>24</a:t>
+            </a:fld>
+            <a:endParaRPr lang="en-US"/>
+          </a:p>
+        </p:txBody>
+      </p:sp>
+    </p:spTree>
+    <p:extLst>
+      <p:ext uri="{BB962C8B-B14F-4D97-AF65-F5344CB8AC3E}">
+        <p14:creationId xmlns:p14="http://schemas.microsoft.com/office/powerpoint/2010/main" val="3168466538"/>
       </p:ext>
     </p:extLst>
   </p:cSld>
@@ -5938,11 +6040,6 @@
               </a:rPr>
               <a:t>driver</a:t>
             </a:r>
-            <a:endParaRPr lang="en-US" sz="3200" b="1" dirty="0">
-              <a:solidFill>
-                <a:prstClr val="white"/>
-              </a:solidFill>
-            </a:endParaRPr>
           </a:p>
         </p:txBody>
       </p:sp>
@@ -6158,11 +6255,6 @@
               </a:rPr>
               <a:t>driver</a:t>
             </a:r>
-            <a:endParaRPr lang="en-US" sz="3200" b="1" dirty="0">
-              <a:solidFill>
-                <a:prstClr val="white"/>
-              </a:solidFill>
-            </a:endParaRPr>
           </a:p>
         </p:txBody>
       </p:sp>
@@ -6257,11 +6349,6 @@
               </a:rPr>
               <a:t>RODBC</a:t>
             </a:r>
-            <a:endParaRPr lang="en-US" sz="2400">
-              <a:solidFill>
-                <a:prstClr val="black"/>
-              </a:solidFill>
-            </a:endParaRPr>
           </a:p>
         </p:txBody>
       </p:sp>
@@ -6312,11 +6399,6 @@
               </a:rPr>
               <a:t>Ibis</a:t>
             </a:r>
-            <a:endParaRPr lang="en-US" sz="2400" dirty="0">
-              <a:solidFill>
-                <a:prstClr val="black"/>
-              </a:solidFill>
-            </a:endParaRPr>
           </a:p>
         </p:txBody>
       </p:sp>
@@ -6822,50 +6904,39 @@
         </p:nvSpPr>
         <p:spPr>
           <a:xfrm>
-            <a:off x="512955" y="1918010"/>
-            <a:ext cx="11273883" cy="4482791"/>
+            <a:off x="994610" y="1808715"/>
+            <a:ext cx="10587790" cy="3268612"/>
           </a:xfrm>
         </p:spPr>
         <p:txBody>
           <a:bodyPr/>
           <a:lstStyle/>
           <a:p>
-            <a:r>
-              <a:rPr lang="en-US" dirty="0" smtClean="0"/>
-              <a:t>Ask your system admin for the URL to your Hue interface. </a:t>
-            </a:r>
+            <a:pPr marL="0" indent="0">
+              <a:buNone/>
+            </a:pPr>
+            <a:r>
+              <a:rPr lang="en-US" dirty="0"/>
+              <a:t>ITMI Impala: </a:t>
+            </a:r>
+          </a:p>
+          <a:p>
+            <a:pPr marL="0" indent="0">
+              <a:buNone/>
+            </a:pPr>
+            <a:r>
+              <a:rPr lang="en-US" dirty="0">
+                <a:hlinkClick r:id="rId3"/>
+              </a:rPr>
+              <a:t>http://ec2-54-152-101-80.compute-1.amazonaws.com:8888/accounts/login/</a:t>
+            </a:r>
+            <a:endParaRPr lang="en-US" dirty="0"/>
           </a:p>
           <a:p>
             <a:pPr marL="0" indent="0">
               <a:buNone/>
             </a:pPr>
             <a:endParaRPr lang="en-US" dirty="0"/>
-          </a:p>
-          <a:p>
-            <a:r>
-              <a:rPr lang="en-US" dirty="0" smtClean="0"/>
-              <a:t>Hue Tutorial: </a:t>
-            </a:r>
-            <a:r>
-              <a:rPr lang="en-US" dirty="0" smtClean="0"/>
-              <a:t/>
-            </a:r>
-            <a:br>
-              <a:rPr lang="en-US" dirty="0" smtClean="0"/>
-            </a:br>
-            <a:r>
-              <a:rPr lang="en-US" dirty="0" smtClean="0">
-                <a:hlinkClick r:id="rId3"/>
-              </a:rPr>
-              <a:t>https</a:t>
-            </a:r>
-            <a:r>
-              <a:rPr lang="en-US" dirty="0">
-                <a:hlinkClick r:id="rId3"/>
-              </a:rPr>
-              <a:t>://github.com/summerela/impala_training/blob/master/using_hue.pdf</a:t>
-            </a:r>
-            <a:endParaRPr lang="en-US" dirty="0" smtClean="0"/>
           </a:p>
           <a:p>
             <a:pPr marL="0" indent="0">
@@ -6988,17 +7059,7 @@
           <a:p>
             <a:r>
               <a:rPr lang="en-US" dirty="0" smtClean="0"/>
-              <a:t>Ask your sys admin for the host address to impala-shell</a:t>
-            </a:r>
-          </a:p>
-          <a:p>
-            <a:r>
-              <a:rPr lang="en-US" dirty="0" smtClean="0"/>
-              <a:t>Tutorial</a:t>
-            </a:r>
-            <a:r>
-              <a:rPr lang="en-US" dirty="0" smtClean="0"/>
-              <a:t>: </a:t>
+              <a:t>Tutorial: </a:t>
             </a:r>
           </a:p>
           <a:p>
@@ -7023,13 +7084,31 @@
             <a:pPr marL="457200" lvl="1" indent="0">
               <a:buNone/>
             </a:pPr>
+            <a:endParaRPr lang="en-US" dirty="0"/>
+          </a:p>
+          <a:p>
+            <a:r>
+              <a:rPr lang="en-US" dirty="0" smtClean="0"/>
+              <a:t>Impala-shell:</a:t>
+            </a:r>
             <a:endParaRPr lang="en-US" dirty="0" smtClean="0"/>
           </a:p>
           <a:p>
             <a:pPr marL="457200" lvl="1" indent="0">
               <a:buNone/>
             </a:pPr>
-            <a:endParaRPr lang="en-US" dirty="0"/>
+            <a:r>
+              <a:rPr lang="en-US" dirty="0" err="1" smtClean="0"/>
+              <a:t>ssh</a:t>
+            </a:r>
+            <a:r>
+              <a:rPr lang="en-US" dirty="0" smtClean="0"/>
+              <a:t> </a:t>
+            </a:r>
+            <a:r>
+              <a:rPr lang="en-US" dirty="0"/>
+              <a:t>ec2-user@ec2-54-86-98-154.compute-1.amazonaws.com</a:t>
+            </a:r>
           </a:p>
         </p:txBody>
       </p:sp>
@@ -7211,11 +7290,6 @@
               </a:rPr>
               <a:t>driver</a:t>
             </a:r>
-            <a:endParaRPr lang="en-US" sz="3200" b="1" dirty="0">
-              <a:solidFill>
-                <a:prstClr val="white"/>
-              </a:solidFill>
-            </a:endParaRPr>
           </a:p>
         </p:txBody>
       </p:sp>
@@ -7308,11 +7382,6 @@
                 </a:rPr>
                 <a:t>Cursor Object</a:t>
               </a:r>
-              <a:endParaRPr lang="en-US" sz="3200" b="1" dirty="0">
-                <a:solidFill>
-                  <a:prstClr val="white"/>
-                </a:solidFill>
-              </a:endParaRPr>
             </a:p>
           </p:txBody>
         </p:sp>
@@ -7385,7 +7454,6 @@
               <a:rPr lang="en-US" sz="2400" dirty="0"/>
               <a:t>Same interface for each database</a:t>
             </a:r>
-            <a:endParaRPr lang="en-US" sz="2400" dirty="0"/>
           </a:p>
           <a:p>
             <a:endParaRPr lang="en-US" sz="2400" dirty="0"/>
@@ -7732,11 +7800,6 @@
               </a:rPr>
               <a:t>driver</a:t>
             </a:r>
-            <a:endParaRPr lang="en-US" sz="3200" b="1" dirty="0">
-              <a:solidFill>
-                <a:prstClr val="white"/>
-              </a:solidFill>
-            </a:endParaRPr>
           </a:p>
         </p:txBody>
       </p:sp>
@@ -7829,11 +7892,6 @@
                 </a:rPr>
                 <a:t>Cursor Object</a:t>
               </a:r>
-              <a:endParaRPr lang="en-US" sz="3200" b="1" dirty="0">
-                <a:solidFill>
-                  <a:prstClr val="white"/>
-                </a:solidFill>
-              </a:endParaRPr>
             </a:p>
           </p:txBody>
         </p:sp>
@@ -8177,15 +8235,7 @@
                   <a:prstClr val="black"/>
                 </a:solidFill>
               </a:rPr>
-              <a:t>f</a:t>
-            </a:r>
-            <a:r>
-              <a:rPr lang="en-US" sz="2400" dirty="0" err="1">
-                <a:solidFill>
-                  <a:prstClr val="black"/>
-                </a:solidFill>
-              </a:rPr>
-              <a:t>etchall</a:t>
+              <a:t>fetchall</a:t>
             </a:r>
             <a:endParaRPr lang="en-US" sz="2400" dirty="0">
               <a:solidFill>
@@ -8396,11 +8446,6 @@
               </a:rPr>
               <a:t>Way to do data frame analysis in Python</a:t>
             </a:r>
-            <a:endParaRPr lang="en-US" sz="2800" b="1" dirty="0">
-              <a:solidFill>
-                <a:prstClr val="black"/>
-              </a:solidFill>
-            </a:endParaRPr>
           </a:p>
         </p:txBody>
       </p:sp>
@@ -8501,29 +8546,13 @@
         <p:spPr/>
         <p:txBody>
           <a:bodyPr>
-            <a:normAutofit/>
+            <a:normAutofit lnSpcReduction="10000"/>
           </a:bodyPr>
           <a:lstStyle/>
           <a:p>
             <a:r>
               <a:rPr lang="en-US" dirty="0" smtClean="0"/>
-              <a:t>Ask your sys admin for the connection string. </a:t>
-            </a:r>
-          </a:p>
-          <a:p>
-            <a:pPr marL="0" indent="0">
-              <a:buNone/>
-            </a:pPr>
-            <a:endParaRPr lang="en-US" dirty="0" smtClean="0"/>
-          </a:p>
-          <a:p>
-            <a:r>
-              <a:rPr lang="en-US" dirty="0" smtClean="0"/>
-              <a:t>Tutorial </a:t>
-            </a:r>
-            <a:r>
-              <a:rPr lang="en-US" dirty="0" smtClean="0"/>
-              <a:t>on </a:t>
+              <a:t>Tutorial on </a:t>
             </a:r>
             <a:r>
               <a:rPr lang="en-US" dirty="0" err="1" smtClean="0"/>
@@ -8581,6 +8610,27 @@
             <a:r>
               <a:rPr lang="en-US" dirty="0" err="1" smtClean="0"/>
               <a:t>connect_python.ipynb</a:t>
+            </a:r>
+            <a:endParaRPr lang="en-US" dirty="0" smtClean="0"/>
+          </a:p>
+          <a:p>
+            <a:endParaRPr lang="en-US" dirty="0"/>
+          </a:p>
+          <a:p>
+            <a:r>
+              <a:rPr lang="en-US" dirty="0" smtClean="0"/>
+              <a:t>ITMI host name:</a:t>
+            </a:r>
+            <a:r>
+              <a:rPr lang="en-US" dirty="0"/>
+              <a:t/>
+            </a:r>
+            <a:br>
+              <a:rPr lang="en-US" dirty="0"/>
+            </a:br>
+            <a:r>
+              <a:rPr lang="en-US" dirty="0"/>
+              <a:t>http://ec2-54-152-101-80.compute-1.amazonaws.com/</a:t>
             </a:r>
             <a:endParaRPr lang="en-US" dirty="0" smtClean="0"/>
           </a:p>
@@ -8752,31 +8802,54 @@
             <a:pPr lvl="1"/>
             <a:r>
               <a:rPr lang="en-US" dirty="0" smtClean="0"/>
-              <a:t>Ask your sys admin for the </a:t>
-            </a:r>
-            <a:r>
-              <a:rPr lang="en-US" smtClean="0"/>
-              <a:t>connection string. </a:t>
-            </a:r>
-          </a:p>
-          <a:p>
-            <a:pPr lvl="1"/>
-            <a:r>
-              <a:rPr lang="en-US" dirty="0" smtClean="0"/>
-              <a:t>Tutorial</a:t>
-            </a:r>
-            <a:r>
-              <a:rPr lang="en-US" dirty="0" smtClean="0"/>
-              <a:t>: </a:t>
-            </a:r>
+              <a:t>Launch R</a:t>
+            </a:r>
+            <a:r>
+              <a:rPr lang="en-US" dirty="0"/>
+              <a:t>:</a:t>
+            </a:r>
+            <a:endParaRPr lang="en-US" dirty="0" smtClean="0">
+              <a:hlinkClick r:id="rId3"/>
+            </a:endParaRPr>
           </a:p>
           <a:p>
             <a:pPr marL="914400" lvl="2" indent="0">
               <a:buNone/>
             </a:pPr>
             <a:r>
+              <a:rPr lang="en-US" dirty="0" smtClean="0">
+                <a:hlinkClick r:id="rId3"/>
+              </a:rPr>
+              <a:t>https</a:t>
+            </a:r>
+            <a:r>
               <a:rPr lang="en-US" dirty="0">
-                <a:hlinkClick r:id="rId2"/>
+                <a:hlinkClick r:id="rId3"/>
+              </a:rPr>
+              <a:t>://glados47.systemsbiology.net</a:t>
+            </a:r>
+            <a:r>
+              <a:rPr lang="en-US" dirty="0" smtClean="0">
+                <a:hlinkClick r:id="rId3"/>
+              </a:rPr>
+              <a:t>/</a:t>
+            </a:r>
+            <a:endParaRPr lang="en-US" dirty="0" smtClean="0"/>
+          </a:p>
+          <a:p>
+            <a:pPr lvl="1"/>
+            <a:r>
+              <a:rPr lang="en-US" dirty="0" smtClean="0"/>
+              <a:t>Tutorial: </a:t>
+            </a:r>
+          </a:p>
+          <a:p>
+            <a:pPr marL="914400" lvl="2" indent="0">
+              <a:buNone/>
+            </a:pPr>
+            <a:r>
+              <a:rPr lang="en-US" dirty="0">
+                <a:hlinkClick r:id="rId4"/>
               </a:rPr>
               <a:t>https://github.com/summerela/impala_training/blob/master/connect_with_R.md</a:t>
             </a:r>
@@ -8793,7 +8866,7 @@
             </a:br>
             <a:r>
               <a:rPr lang="en-US" sz="2400" dirty="0">
-                <a:hlinkClick r:id="rId3"/>
+                <a:hlinkClick r:id="rId5"/>
               </a:rPr>
               <a:t>https://github.com/summerela/impala_training/blob/master/connect_R.R</a:t>
             </a:r>
@@ -8908,7 +8981,11 @@
           <a:p>
             <a:r>
               <a:rPr lang="en-US" dirty="0" smtClean="0"/>
-              <a:t>Run a pipeline</a:t>
+              <a:t>Run </a:t>
+            </a:r>
+            <a:r>
+              <a:rPr lang="en-US" dirty="0" smtClean="0"/>
+              <a:t>pipelines</a:t>
             </a:r>
             <a:endParaRPr lang="en-US" dirty="0"/>
           </a:p>
@@ -9245,11 +9322,6 @@
                 </a:rPr>
                 <a:t>ODBC</a:t>
               </a:r>
-              <a:endParaRPr lang="en-US" sz="3600" b="1" dirty="0">
-                <a:solidFill>
-                  <a:prstClr val="white"/>
-                </a:solidFill>
-              </a:endParaRPr>
             </a:p>
           </p:txBody>
         </p:sp>
@@ -10107,11 +10179,6 @@
               </a:rPr>
               <a:t>Canceling queries</a:t>
             </a:r>
-            <a:endParaRPr lang="en-US" dirty="0">
-              <a:solidFill>
-                <a:prstClr val="black"/>
-              </a:solidFill>
-            </a:endParaRPr>
           </a:p>
         </p:txBody>
       </p:sp>
